--- a/ppt 16-9/1070.小路.pptx
+++ b/ppt 16-9/1070.小路.pptx
@@ -5,7 +5,7 @@
     <p:sldMasterId id="2147483648" r:id="rId1"/>
   </p:sldMasterIdLst>
   <p:sldIdLst>
-    <p:sldId id="519" r:id="rId2"/>
+    <p:sldId id="520" r:id="rId2"/>
   </p:sldIdLst>
   <p:sldSz cx="12192000" cy="6858000"/>
   <p:notesSz cx="6858000" cy="9144000"/>
@@ -129,7 +129,7 @@
           <p:cNvPr id="2" name="标题 1">
             <a:extLst>
               <a:ext uri="{FF2B5EF4-FFF2-40B4-BE49-F238E27FC236}">
-                <a16:creationId xmlns:a16="http://schemas.microsoft.com/office/drawing/2014/main" id="{1BC525AE-305A-03B5-62DA-94C603484F14}"/>
+                <a16:creationId xmlns:a16="http://schemas.microsoft.com/office/drawing/2014/main" id="{6F41CF6A-12F5-F04A-0EA1-943183A74FAC}"/>
               </a:ext>
             </a:extLst>
           </p:cNvPr>
@@ -166,7 +166,7 @@
           <p:cNvPr id="3" name="副标题 2">
             <a:extLst>
               <a:ext uri="{FF2B5EF4-FFF2-40B4-BE49-F238E27FC236}">
-                <a16:creationId xmlns:a16="http://schemas.microsoft.com/office/drawing/2014/main" id="{F62D615F-E34A-A385-D166-C82B8545AA02}"/>
+                <a16:creationId xmlns:a16="http://schemas.microsoft.com/office/drawing/2014/main" id="{CEA76C34-AB51-036C-1616-359D2D1584B0}"/>
               </a:ext>
             </a:extLst>
           </p:cNvPr>
@@ -236,7 +236,7 @@
           <p:cNvPr id="4" name="日期占位符 3">
             <a:extLst>
               <a:ext uri="{FF2B5EF4-FFF2-40B4-BE49-F238E27FC236}">
-                <a16:creationId xmlns:a16="http://schemas.microsoft.com/office/drawing/2014/main" id="{983BA92A-7A4B-075F-2BFE-84BCC5894879}"/>
+                <a16:creationId xmlns:a16="http://schemas.microsoft.com/office/drawing/2014/main" id="{B7B24304-6EA6-EFE0-2177-CEB4900C9B2B}"/>
               </a:ext>
             </a:extLst>
           </p:cNvPr>
@@ -252,7 +252,7 @@
           <a:bodyPr/>
           <a:lstStyle/>
           <a:p>
-            <a:fld id="{1464AA9A-9C5A-46AC-8BF2-1172B8BE6573}" type="datetimeFigureOut">
+            <a:fld id="{98A67AFA-ED46-400B-9AA5-38205FF57235}" type="datetimeFigureOut">
               <a:rPr lang="zh-CN" altLang="en-US" smtClean="0"/>
               <a:t>2024/3/10</a:t>
             </a:fld>
@@ -265,7 +265,7 @@
           <p:cNvPr id="5" name="页脚占位符 4">
             <a:extLst>
               <a:ext uri="{FF2B5EF4-FFF2-40B4-BE49-F238E27FC236}">
-                <a16:creationId xmlns:a16="http://schemas.microsoft.com/office/drawing/2014/main" id="{CE82D7F8-0D14-36E0-F123-098E127E05FA}"/>
+                <a16:creationId xmlns:a16="http://schemas.microsoft.com/office/drawing/2014/main" id="{34089C35-ED01-E8D9-DD14-79C3B87FD182}"/>
               </a:ext>
             </a:extLst>
           </p:cNvPr>
@@ -290,7 +290,7 @@
           <p:cNvPr id="6" name="灯片编号占位符 5">
             <a:extLst>
               <a:ext uri="{FF2B5EF4-FFF2-40B4-BE49-F238E27FC236}">
-                <a16:creationId xmlns:a16="http://schemas.microsoft.com/office/drawing/2014/main" id="{D2672B43-9B3B-2416-8A3B-254622DF4F8B}"/>
+                <a16:creationId xmlns:a16="http://schemas.microsoft.com/office/drawing/2014/main" id="{5AF88B56-A440-C25E-081D-292D08C0A2AA}"/>
               </a:ext>
             </a:extLst>
           </p:cNvPr>
@@ -306,7 +306,7 @@
           <a:bodyPr/>
           <a:lstStyle/>
           <a:p>
-            <a:fld id="{B1F12D2D-8444-4CB3-847F-5406B503C783}" type="slidenum">
+            <a:fld id="{D0A70AFD-0F03-4829-98F4-995FC944CBAF}" type="slidenum">
               <a:rPr lang="zh-CN" altLang="en-US" smtClean="0"/>
               <a:t>‹#›</a:t>
             </a:fld>
@@ -317,7 +317,7 @@
     </p:spTree>
     <p:extLst>
       <p:ext uri="{BB962C8B-B14F-4D97-AF65-F5344CB8AC3E}">
-        <p14:creationId xmlns:p14="http://schemas.microsoft.com/office/powerpoint/2010/main" val="532041568"/>
+        <p14:creationId xmlns:p14="http://schemas.microsoft.com/office/powerpoint/2010/main" val="4215992426"/>
       </p:ext>
     </p:extLst>
   </p:cSld>
@@ -349,7 +349,7 @@
           <p:cNvPr id="2" name="标题 1">
             <a:extLst>
               <a:ext uri="{FF2B5EF4-FFF2-40B4-BE49-F238E27FC236}">
-                <a16:creationId xmlns:a16="http://schemas.microsoft.com/office/drawing/2014/main" id="{05EAECED-D311-6FD4-C051-DAA4F13D888B}"/>
+                <a16:creationId xmlns:a16="http://schemas.microsoft.com/office/drawing/2014/main" id="{E8DF3839-1908-5DD2-387B-3E35032A8C9C}"/>
               </a:ext>
             </a:extLst>
           </p:cNvPr>
@@ -377,7 +377,7 @@
           <p:cNvPr id="3" name="竖排文字占位符 2">
             <a:extLst>
               <a:ext uri="{FF2B5EF4-FFF2-40B4-BE49-F238E27FC236}">
-                <a16:creationId xmlns:a16="http://schemas.microsoft.com/office/drawing/2014/main" id="{36A95513-2681-1E53-D832-95DAA712733C}"/>
+                <a16:creationId xmlns:a16="http://schemas.microsoft.com/office/drawing/2014/main" id="{B052B60F-AAE3-8AC3-E07C-955A44613387}"/>
               </a:ext>
             </a:extLst>
           </p:cNvPr>
@@ -434,7 +434,7 @@
           <p:cNvPr id="4" name="日期占位符 3">
             <a:extLst>
               <a:ext uri="{FF2B5EF4-FFF2-40B4-BE49-F238E27FC236}">
-                <a16:creationId xmlns:a16="http://schemas.microsoft.com/office/drawing/2014/main" id="{A4816250-07AC-F3B6-5A68-A86084161D58}"/>
+                <a16:creationId xmlns:a16="http://schemas.microsoft.com/office/drawing/2014/main" id="{12C92283-A5A1-C6CC-EC37-D823D3ED8AFF}"/>
               </a:ext>
             </a:extLst>
           </p:cNvPr>
@@ -450,7 +450,7 @@
           <a:bodyPr/>
           <a:lstStyle/>
           <a:p>
-            <a:fld id="{1464AA9A-9C5A-46AC-8BF2-1172B8BE6573}" type="datetimeFigureOut">
+            <a:fld id="{98A67AFA-ED46-400B-9AA5-38205FF57235}" type="datetimeFigureOut">
               <a:rPr lang="zh-CN" altLang="en-US" smtClean="0"/>
               <a:t>2024/3/10</a:t>
             </a:fld>
@@ -463,7 +463,7 @@
           <p:cNvPr id="5" name="页脚占位符 4">
             <a:extLst>
               <a:ext uri="{FF2B5EF4-FFF2-40B4-BE49-F238E27FC236}">
-                <a16:creationId xmlns:a16="http://schemas.microsoft.com/office/drawing/2014/main" id="{75820D1A-C256-98AF-8F30-9A8921CD4AC7}"/>
+                <a16:creationId xmlns:a16="http://schemas.microsoft.com/office/drawing/2014/main" id="{B8B86FCA-0823-A670-A45A-DA65C7A679A4}"/>
               </a:ext>
             </a:extLst>
           </p:cNvPr>
@@ -488,7 +488,7 @@
           <p:cNvPr id="6" name="灯片编号占位符 5">
             <a:extLst>
               <a:ext uri="{FF2B5EF4-FFF2-40B4-BE49-F238E27FC236}">
-                <a16:creationId xmlns:a16="http://schemas.microsoft.com/office/drawing/2014/main" id="{3FFBB05D-9615-E4FA-61AF-4BD54DEB7C16}"/>
+                <a16:creationId xmlns:a16="http://schemas.microsoft.com/office/drawing/2014/main" id="{35A1D486-0FA1-CD49-7421-03A64B4B4B9B}"/>
               </a:ext>
             </a:extLst>
           </p:cNvPr>
@@ -504,7 +504,7 @@
           <a:bodyPr/>
           <a:lstStyle/>
           <a:p>
-            <a:fld id="{B1F12D2D-8444-4CB3-847F-5406B503C783}" type="slidenum">
+            <a:fld id="{D0A70AFD-0F03-4829-98F4-995FC944CBAF}" type="slidenum">
               <a:rPr lang="zh-CN" altLang="en-US" smtClean="0"/>
               <a:t>‹#›</a:t>
             </a:fld>
@@ -515,7 +515,7 @@
     </p:spTree>
     <p:extLst>
       <p:ext uri="{BB962C8B-B14F-4D97-AF65-F5344CB8AC3E}">
-        <p14:creationId xmlns:p14="http://schemas.microsoft.com/office/powerpoint/2010/main" val="157293033"/>
+        <p14:creationId xmlns:p14="http://schemas.microsoft.com/office/powerpoint/2010/main" val="1015285684"/>
       </p:ext>
     </p:extLst>
   </p:cSld>
@@ -547,7 +547,7 @@
           <p:cNvPr id="2" name="竖排标题 1">
             <a:extLst>
               <a:ext uri="{FF2B5EF4-FFF2-40B4-BE49-F238E27FC236}">
-                <a16:creationId xmlns:a16="http://schemas.microsoft.com/office/drawing/2014/main" id="{638B702B-6FAA-36FD-E886-DFB503219C31}"/>
+                <a16:creationId xmlns:a16="http://schemas.microsoft.com/office/drawing/2014/main" id="{EABF8E88-053C-8AED-4BC1-E825FB1DA69F}"/>
               </a:ext>
             </a:extLst>
           </p:cNvPr>
@@ -580,7 +580,7 @@
           <p:cNvPr id="3" name="竖排文字占位符 2">
             <a:extLst>
               <a:ext uri="{FF2B5EF4-FFF2-40B4-BE49-F238E27FC236}">
-                <a16:creationId xmlns:a16="http://schemas.microsoft.com/office/drawing/2014/main" id="{5E3D7F4E-624E-B438-296A-0D3532ED2D11}"/>
+                <a16:creationId xmlns:a16="http://schemas.microsoft.com/office/drawing/2014/main" id="{A706B8D9-9220-2418-FEA9-199696D56D21}"/>
               </a:ext>
             </a:extLst>
           </p:cNvPr>
@@ -642,7 +642,7 @@
           <p:cNvPr id="4" name="日期占位符 3">
             <a:extLst>
               <a:ext uri="{FF2B5EF4-FFF2-40B4-BE49-F238E27FC236}">
-                <a16:creationId xmlns:a16="http://schemas.microsoft.com/office/drawing/2014/main" id="{9587CE68-70A9-830C-051C-E8A81F07F604}"/>
+                <a16:creationId xmlns:a16="http://schemas.microsoft.com/office/drawing/2014/main" id="{4A5C54A8-CC22-5508-91DB-94CAD13202FF}"/>
               </a:ext>
             </a:extLst>
           </p:cNvPr>
@@ -658,7 +658,7 @@
           <a:bodyPr/>
           <a:lstStyle/>
           <a:p>
-            <a:fld id="{1464AA9A-9C5A-46AC-8BF2-1172B8BE6573}" type="datetimeFigureOut">
+            <a:fld id="{98A67AFA-ED46-400B-9AA5-38205FF57235}" type="datetimeFigureOut">
               <a:rPr lang="zh-CN" altLang="en-US" smtClean="0"/>
               <a:t>2024/3/10</a:t>
             </a:fld>
@@ -671,7 +671,7 @@
           <p:cNvPr id="5" name="页脚占位符 4">
             <a:extLst>
               <a:ext uri="{FF2B5EF4-FFF2-40B4-BE49-F238E27FC236}">
-                <a16:creationId xmlns:a16="http://schemas.microsoft.com/office/drawing/2014/main" id="{425E71DF-BA5F-A8D4-CDDD-CBBBC972A93C}"/>
+                <a16:creationId xmlns:a16="http://schemas.microsoft.com/office/drawing/2014/main" id="{70816383-CC48-99AC-BA8E-F684AE902B34}"/>
               </a:ext>
             </a:extLst>
           </p:cNvPr>
@@ -696,7 +696,7 @@
           <p:cNvPr id="6" name="灯片编号占位符 5">
             <a:extLst>
               <a:ext uri="{FF2B5EF4-FFF2-40B4-BE49-F238E27FC236}">
-                <a16:creationId xmlns:a16="http://schemas.microsoft.com/office/drawing/2014/main" id="{7AF6E807-AD06-535A-07E5-93A781D73AEF}"/>
+                <a16:creationId xmlns:a16="http://schemas.microsoft.com/office/drawing/2014/main" id="{91DBCE69-81B8-C058-1AD4-74BC506A1EA3}"/>
               </a:ext>
             </a:extLst>
           </p:cNvPr>
@@ -712,7 +712,7 @@
           <a:bodyPr/>
           <a:lstStyle/>
           <a:p>
-            <a:fld id="{B1F12D2D-8444-4CB3-847F-5406B503C783}" type="slidenum">
+            <a:fld id="{D0A70AFD-0F03-4829-98F4-995FC944CBAF}" type="slidenum">
               <a:rPr lang="zh-CN" altLang="en-US" smtClean="0"/>
               <a:t>‹#›</a:t>
             </a:fld>
@@ -723,7 +723,7 @@
     </p:spTree>
     <p:extLst>
       <p:ext uri="{BB962C8B-B14F-4D97-AF65-F5344CB8AC3E}">
-        <p14:creationId xmlns:p14="http://schemas.microsoft.com/office/powerpoint/2010/main" val="2575471834"/>
+        <p14:creationId xmlns:p14="http://schemas.microsoft.com/office/powerpoint/2010/main" val="4203428854"/>
       </p:ext>
     </p:extLst>
   </p:cSld>
@@ -755,7 +755,7 @@
           <p:cNvPr id="2" name="标题 1">
             <a:extLst>
               <a:ext uri="{FF2B5EF4-FFF2-40B4-BE49-F238E27FC236}">
-                <a16:creationId xmlns:a16="http://schemas.microsoft.com/office/drawing/2014/main" id="{374B08AC-EF9C-D0AF-E62C-4D29EAA7B2EF}"/>
+                <a16:creationId xmlns:a16="http://schemas.microsoft.com/office/drawing/2014/main" id="{706B593D-4F5C-3C56-5C64-4D732DF29AB5}"/>
               </a:ext>
             </a:extLst>
           </p:cNvPr>
@@ -783,7 +783,7 @@
           <p:cNvPr id="3" name="内容占位符 2">
             <a:extLst>
               <a:ext uri="{FF2B5EF4-FFF2-40B4-BE49-F238E27FC236}">
-                <a16:creationId xmlns:a16="http://schemas.microsoft.com/office/drawing/2014/main" id="{FE0D84F7-449A-2D6C-4603-4987381FF35A}"/>
+                <a16:creationId xmlns:a16="http://schemas.microsoft.com/office/drawing/2014/main" id="{41A7CF54-D475-D7BB-2889-8344BC339364}"/>
               </a:ext>
             </a:extLst>
           </p:cNvPr>
@@ -840,7 +840,7 @@
           <p:cNvPr id="4" name="日期占位符 3">
             <a:extLst>
               <a:ext uri="{FF2B5EF4-FFF2-40B4-BE49-F238E27FC236}">
-                <a16:creationId xmlns:a16="http://schemas.microsoft.com/office/drawing/2014/main" id="{43731196-9B84-8DA2-EE7C-511295B05FAD}"/>
+                <a16:creationId xmlns:a16="http://schemas.microsoft.com/office/drawing/2014/main" id="{69228AEC-B461-E4C9-67AD-D3F8110E1CC5}"/>
               </a:ext>
             </a:extLst>
           </p:cNvPr>
@@ -856,7 +856,7 @@
           <a:bodyPr/>
           <a:lstStyle/>
           <a:p>
-            <a:fld id="{1464AA9A-9C5A-46AC-8BF2-1172B8BE6573}" type="datetimeFigureOut">
+            <a:fld id="{98A67AFA-ED46-400B-9AA5-38205FF57235}" type="datetimeFigureOut">
               <a:rPr lang="zh-CN" altLang="en-US" smtClean="0"/>
               <a:t>2024/3/10</a:t>
             </a:fld>
@@ -869,7 +869,7 @@
           <p:cNvPr id="5" name="页脚占位符 4">
             <a:extLst>
               <a:ext uri="{FF2B5EF4-FFF2-40B4-BE49-F238E27FC236}">
-                <a16:creationId xmlns:a16="http://schemas.microsoft.com/office/drawing/2014/main" id="{4AE61F7E-2596-0D39-797F-270A5787901A}"/>
+                <a16:creationId xmlns:a16="http://schemas.microsoft.com/office/drawing/2014/main" id="{911B6109-991A-D4E0-51B1-C47C50CB2C83}"/>
               </a:ext>
             </a:extLst>
           </p:cNvPr>
@@ -894,7 +894,7 @@
           <p:cNvPr id="6" name="灯片编号占位符 5">
             <a:extLst>
               <a:ext uri="{FF2B5EF4-FFF2-40B4-BE49-F238E27FC236}">
-                <a16:creationId xmlns:a16="http://schemas.microsoft.com/office/drawing/2014/main" id="{68B97D79-79A2-3D09-C0C7-1174F64520A6}"/>
+                <a16:creationId xmlns:a16="http://schemas.microsoft.com/office/drawing/2014/main" id="{03D66919-1079-AA2F-3D98-94AE958D6458}"/>
               </a:ext>
             </a:extLst>
           </p:cNvPr>
@@ -910,7 +910,7 @@
           <a:bodyPr/>
           <a:lstStyle/>
           <a:p>
-            <a:fld id="{B1F12D2D-8444-4CB3-847F-5406B503C783}" type="slidenum">
+            <a:fld id="{D0A70AFD-0F03-4829-98F4-995FC944CBAF}" type="slidenum">
               <a:rPr lang="zh-CN" altLang="en-US" smtClean="0"/>
               <a:t>‹#›</a:t>
             </a:fld>
@@ -921,7 +921,7 @@
     </p:spTree>
     <p:extLst>
       <p:ext uri="{BB962C8B-B14F-4D97-AF65-F5344CB8AC3E}">
-        <p14:creationId xmlns:p14="http://schemas.microsoft.com/office/powerpoint/2010/main" val="2062061628"/>
+        <p14:creationId xmlns:p14="http://schemas.microsoft.com/office/powerpoint/2010/main" val="355137327"/>
       </p:ext>
     </p:extLst>
   </p:cSld>
@@ -953,7 +953,7 @@
           <p:cNvPr id="2" name="标题 1">
             <a:extLst>
               <a:ext uri="{FF2B5EF4-FFF2-40B4-BE49-F238E27FC236}">
-                <a16:creationId xmlns:a16="http://schemas.microsoft.com/office/drawing/2014/main" id="{4A09BEE4-C1DB-AEF5-3F73-859D3641B20F}"/>
+                <a16:creationId xmlns:a16="http://schemas.microsoft.com/office/drawing/2014/main" id="{D0A5AC66-89CB-5B63-1AB3-A05DFC2746FF}"/>
               </a:ext>
             </a:extLst>
           </p:cNvPr>
@@ -990,7 +990,7 @@
           <p:cNvPr id="3" name="文本占位符 2">
             <a:extLst>
               <a:ext uri="{FF2B5EF4-FFF2-40B4-BE49-F238E27FC236}">
-                <a16:creationId xmlns:a16="http://schemas.microsoft.com/office/drawing/2014/main" id="{12A2AF99-9C96-79E3-1194-08864A6C078B}"/>
+                <a16:creationId xmlns:a16="http://schemas.microsoft.com/office/drawing/2014/main" id="{8F01CF24-652E-CE27-8E32-C0B3AA87B4A8}"/>
               </a:ext>
             </a:extLst>
           </p:cNvPr>
@@ -1115,7 +1115,7 @@
           <p:cNvPr id="4" name="日期占位符 3">
             <a:extLst>
               <a:ext uri="{FF2B5EF4-FFF2-40B4-BE49-F238E27FC236}">
-                <a16:creationId xmlns:a16="http://schemas.microsoft.com/office/drawing/2014/main" id="{C638F6D1-4C0A-F028-9358-0F33B6DA755F}"/>
+                <a16:creationId xmlns:a16="http://schemas.microsoft.com/office/drawing/2014/main" id="{910D158A-8DE5-E3F7-0BA8-A9DC7CD94573}"/>
               </a:ext>
             </a:extLst>
           </p:cNvPr>
@@ -1131,7 +1131,7 @@
           <a:bodyPr/>
           <a:lstStyle/>
           <a:p>
-            <a:fld id="{1464AA9A-9C5A-46AC-8BF2-1172B8BE6573}" type="datetimeFigureOut">
+            <a:fld id="{98A67AFA-ED46-400B-9AA5-38205FF57235}" type="datetimeFigureOut">
               <a:rPr lang="zh-CN" altLang="en-US" smtClean="0"/>
               <a:t>2024/3/10</a:t>
             </a:fld>
@@ -1144,7 +1144,7 @@
           <p:cNvPr id="5" name="页脚占位符 4">
             <a:extLst>
               <a:ext uri="{FF2B5EF4-FFF2-40B4-BE49-F238E27FC236}">
-                <a16:creationId xmlns:a16="http://schemas.microsoft.com/office/drawing/2014/main" id="{BCBCBF8D-3196-439F-2254-BB0D0F092405}"/>
+                <a16:creationId xmlns:a16="http://schemas.microsoft.com/office/drawing/2014/main" id="{13D809A5-4B39-18F9-30BB-7293A5D80858}"/>
               </a:ext>
             </a:extLst>
           </p:cNvPr>
@@ -1169,7 +1169,7 @@
           <p:cNvPr id="6" name="灯片编号占位符 5">
             <a:extLst>
               <a:ext uri="{FF2B5EF4-FFF2-40B4-BE49-F238E27FC236}">
-                <a16:creationId xmlns:a16="http://schemas.microsoft.com/office/drawing/2014/main" id="{26DA1A34-752B-AD0A-F19D-8296BC8880A4}"/>
+                <a16:creationId xmlns:a16="http://schemas.microsoft.com/office/drawing/2014/main" id="{32216799-CD96-5F83-8ACD-FF823E99EB63}"/>
               </a:ext>
             </a:extLst>
           </p:cNvPr>
@@ -1185,7 +1185,7 @@
           <a:bodyPr/>
           <a:lstStyle/>
           <a:p>
-            <a:fld id="{B1F12D2D-8444-4CB3-847F-5406B503C783}" type="slidenum">
+            <a:fld id="{D0A70AFD-0F03-4829-98F4-995FC944CBAF}" type="slidenum">
               <a:rPr lang="zh-CN" altLang="en-US" smtClean="0"/>
               <a:t>‹#›</a:t>
             </a:fld>
@@ -1196,7 +1196,7 @@
     </p:spTree>
     <p:extLst>
       <p:ext uri="{BB962C8B-B14F-4D97-AF65-F5344CB8AC3E}">
-        <p14:creationId xmlns:p14="http://schemas.microsoft.com/office/powerpoint/2010/main" val="2927437908"/>
+        <p14:creationId xmlns:p14="http://schemas.microsoft.com/office/powerpoint/2010/main" val="2172530600"/>
       </p:ext>
     </p:extLst>
   </p:cSld>
@@ -1228,7 +1228,7 @@
           <p:cNvPr id="2" name="标题 1">
             <a:extLst>
               <a:ext uri="{FF2B5EF4-FFF2-40B4-BE49-F238E27FC236}">
-                <a16:creationId xmlns:a16="http://schemas.microsoft.com/office/drawing/2014/main" id="{8608CC3C-4E98-A750-BECD-0EFC9BCC702E}"/>
+                <a16:creationId xmlns:a16="http://schemas.microsoft.com/office/drawing/2014/main" id="{B42CEE4F-B1A6-B0B0-DE97-057011D46058}"/>
               </a:ext>
             </a:extLst>
           </p:cNvPr>
@@ -1256,7 +1256,7 @@
           <p:cNvPr id="3" name="内容占位符 2">
             <a:extLst>
               <a:ext uri="{FF2B5EF4-FFF2-40B4-BE49-F238E27FC236}">
-                <a16:creationId xmlns:a16="http://schemas.microsoft.com/office/drawing/2014/main" id="{408D1CCE-5CE4-5D6C-A2E7-F9B4A22B834E}"/>
+                <a16:creationId xmlns:a16="http://schemas.microsoft.com/office/drawing/2014/main" id="{72255BEA-9923-FC67-BD87-69BAC0830035}"/>
               </a:ext>
             </a:extLst>
           </p:cNvPr>
@@ -1318,7 +1318,7 @@
           <p:cNvPr id="4" name="内容占位符 3">
             <a:extLst>
               <a:ext uri="{FF2B5EF4-FFF2-40B4-BE49-F238E27FC236}">
-                <a16:creationId xmlns:a16="http://schemas.microsoft.com/office/drawing/2014/main" id="{F36D8839-53E4-6C29-7DDF-CC76361004D2}"/>
+                <a16:creationId xmlns:a16="http://schemas.microsoft.com/office/drawing/2014/main" id="{0BFC9D23-D6B2-AE1E-7A4F-1315298FE6C7}"/>
               </a:ext>
             </a:extLst>
           </p:cNvPr>
@@ -1380,7 +1380,7 @@
           <p:cNvPr id="5" name="日期占位符 4">
             <a:extLst>
               <a:ext uri="{FF2B5EF4-FFF2-40B4-BE49-F238E27FC236}">
-                <a16:creationId xmlns:a16="http://schemas.microsoft.com/office/drawing/2014/main" id="{5553E469-FC9A-7BE0-86C5-4B15F6DD98BC}"/>
+                <a16:creationId xmlns:a16="http://schemas.microsoft.com/office/drawing/2014/main" id="{CF0EF6C9-70A6-6409-009F-74E45D7DE51E}"/>
               </a:ext>
             </a:extLst>
           </p:cNvPr>
@@ -1396,7 +1396,7 @@
           <a:bodyPr/>
           <a:lstStyle/>
           <a:p>
-            <a:fld id="{1464AA9A-9C5A-46AC-8BF2-1172B8BE6573}" type="datetimeFigureOut">
+            <a:fld id="{98A67AFA-ED46-400B-9AA5-38205FF57235}" type="datetimeFigureOut">
               <a:rPr lang="zh-CN" altLang="en-US" smtClean="0"/>
               <a:t>2024/3/10</a:t>
             </a:fld>
@@ -1409,7 +1409,7 @@
           <p:cNvPr id="6" name="页脚占位符 5">
             <a:extLst>
               <a:ext uri="{FF2B5EF4-FFF2-40B4-BE49-F238E27FC236}">
-                <a16:creationId xmlns:a16="http://schemas.microsoft.com/office/drawing/2014/main" id="{789BB029-AEA3-1EE2-22C1-3B9EADDAE30E}"/>
+                <a16:creationId xmlns:a16="http://schemas.microsoft.com/office/drawing/2014/main" id="{DD042D36-AB8C-D2DF-1DAB-5908578D252C}"/>
               </a:ext>
             </a:extLst>
           </p:cNvPr>
@@ -1434,7 +1434,7 @@
           <p:cNvPr id="7" name="灯片编号占位符 6">
             <a:extLst>
               <a:ext uri="{FF2B5EF4-FFF2-40B4-BE49-F238E27FC236}">
-                <a16:creationId xmlns:a16="http://schemas.microsoft.com/office/drawing/2014/main" id="{45C319E6-E072-65DF-0BB1-E0F7F9BC5A8B}"/>
+                <a16:creationId xmlns:a16="http://schemas.microsoft.com/office/drawing/2014/main" id="{032A3BF0-BD32-53E8-54C0-95F6724FA9BA}"/>
               </a:ext>
             </a:extLst>
           </p:cNvPr>
@@ -1450,7 +1450,7 @@
           <a:bodyPr/>
           <a:lstStyle/>
           <a:p>
-            <a:fld id="{B1F12D2D-8444-4CB3-847F-5406B503C783}" type="slidenum">
+            <a:fld id="{D0A70AFD-0F03-4829-98F4-995FC944CBAF}" type="slidenum">
               <a:rPr lang="zh-CN" altLang="en-US" smtClean="0"/>
               <a:t>‹#›</a:t>
             </a:fld>
@@ -1461,7 +1461,7 @@
     </p:spTree>
     <p:extLst>
       <p:ext uri="{BB962C8B-B14F-4D97-AF65-F5344CB8AC3E}">
-        <p14:creationId xmlns:p14="http://schemas.microsoft.com/office/powerpoint/2010/main" val="1070630079"/>
+        <p14:creationId xmlns:p14="http://schemas.microsoft.com/office/powerpoint/2010/main" val="1554169402"/>
       </p:ext>
     </p:extLst>
   </p:cSld>
@@ -1493,7 +1493,7 @@
           <p:cNvPr id="2" name="标题 1">
             <a:extLst>
               <a:ext uri="{FF2B5EF4-FFF2-40B4-BE49-F238E27FC236}">
-                <a16:creationId xmlns:a16="http://schemas.microsoft.com/office/drawing/2014/main" id="{F69F2129-1E22-05D1-E35D-0DEAE5D242A3}"/>
+                <a16:creationId xmlns:a16="http://schemas.microsoft.com/office/drawing/2014/main" id="{3E4BA8D3-16BE-1940-9302-96EC64CD0104}"/>
               </a:ext>
             </a:extLst>
           </p:cNvPr>
@@ -1526,7 +1526,7 @@
           <p:cNvPr id="3" name="文本占位符 2">
             <a:extLst>
               <a:ext uri="{FF2B5EF4-FFF2-40B4-BE49-F238E27FC236}">
-                <a16:creationId xmlns:a16="http://schemas.microsoft.com/office/drawing/2014/main" id="{DDBC2B97-6EA0-6EEE-DA77-5B35AC4A9E31}"/>
+                <a16:creationId xmlns:a16="http://schemas.microsoft.com/office/drawing/2014/main" id="{36E20233-54DC-1F57-C7B9-2B0C69D836BB}"/>
               </a:ext>
             </a:extLst>
           </p:cNvPr>
@@ -1597,7 +1597,7 @@
           <p:cNvPr id="4" name="内容占位符 3">
             <a:extLst>
               <a:ext uri="{FF2B5EF4-FFF2-40B4-BE49-F238E27FC236}">
-                <a16:creationId xmlns:a16="http://schemas.microsoft.com/office/drawing/2014/main" id="{AB223F14-A63B-27E6-D2F4-E4BD655205B4}"/>
+                <a16:creationId xmlns:a16="http://schemas.microsoft.com/office/drawing/2014/main" id="{76F4F3D5-32A4-5EE1-62FE-8E4E641E0DCC}"/>
               </a:ext>
             </a:extLst>
           </p:cNvPr>
@@ -1659,7 +1659,7 @@
           <p:cNvPr id="5" name="文本占位符 4">
             <a:extLst>
               <a:ext uri="{FF2B5EF4-FFF2-40B4-BE49-F238E27FC236}">
-                <a16:creationId xmlns:a16="http://schemas.microsoft.com/office/drawing/2014/main" id="{73D305F9-0410-4CDA-F63B-612FDCA0A73A}"/>
+                <a16:creationId xmlns:a16="http://schemas.microsoft.com/office/drawing/2014/main" id="{BC7C4D86-E946-1C90-BE09-1C9CD8ACFBBA}"/>
               </a:ext>
             </a:extLst>
           </p:cNvPr>
@@ -1730,7 +1730,7 @@
           <p:cNvPr id="6" name="内容占位符 5">
             <a:extLst>
               <a:ext uri="{FF2B5EF4-FFF2-40B4-BE49-F238E27FC236}">
-                <a16:creationId xmlns:a16="http://schemas.microsoft.com/office/drawing/2014/main" id="{01765BFD-0A14-0BD9-5D14-5BADFB05DD65}"/>
+                <a16:creationId xmlns:a16="http://schemas.microsoft.com/office/drawing/2014/main" id="{84BF6CE4-EF15-57B6-7F58-2E3F592DBD31}"/>
               </a:ext>
             </a:extLst>
           </p:cNvPr>
@@ -1792,7 +1792,7 @@
           <p:cNvPr id="7" name="日期占位符 6">
             <a:extLst>
               <a:ext uri="{FF2B5EF4-FFF2-40B4-BE49-F238E27FC236}">
-                <a16:creationId xmlns:a16="http://schemas.microsoft.com/office/drawing/2014/main" id="{AD93465E-24FD-A95F-EADC-74551E68E9DF}"/>
+                <a16:creationId xmlns:a16="http://schemas.microsoft.com/office/drawing/2014/main" id="{007A5F89-2DE4-92E1-BF8A-AC44F24003AC}"/>
               </a:ext>
             </a:extLst>
           </p:cNvPr>
@@ -1808,7 +1808,7 @@
           <a:bodyPr/>
           <a:lstStyle/>
           <a:p>
-            <a:fld id="{1464AA9A-9C5A-46AC-8BF2-1172B8BE6573}" type="datetimeFigureOut">
+            <a:fld id="{98A67AFA-ED46-400B-9AA5-38205FF57235}" type="datetimeFigureOut">
               <a:rPr lang="zh-CN" altLang="en-US" smtClean="0"/>
               <a:t>2024/3/10</a:t>
             </a:fld>
@@ -1821,7 +1821,7 @@
           <p:cNvPr id="8" name="页脚占位符 7">
             <a:extLst>
               <a:ext uri="{FF2B5EF4-FFF2-40B4-BE49-F238E27FC236}">
-                <a16:creationId xmlns:a16="http://schemas.microsoft.com/office/drawing/2014/main" id="{034D09D4-3F81-CE58-7319-E0AEBB5D1690}"/>
+                <a16:creationId xmlns:a16="http://schemas.microsoft.com/office/drawing/2014/main" id="{F82DB8AA-13CE-97B3-B207-4E7738457A7B}"/>
               </a:ext>
             </a:extLst>
           </p:cNvPr>
@@ -1846,7 +1846,7 @@
           <p:cNvPr id="9" name="灯片编号占位符 8">
             <a:extLst>
               <a:ext uri="{FF2B5EF4-FFF2-40B4-BE49-F238E27FC236}">
-                <a16:creationId xmlns:a16="http://schemas.microsoft.com/office/drawing/2014/main" id="{9E399A6B-A916-847D-F16E-EA85D655AD97}"/>
+                <a16:creationId xmlns:a16="http://schemas.microsoft.com/office/drawing/2014/main" id="{B663619D-0B08-6DD1-5F51-826E7E024DCE}"/>
               </a:ext>
             </a:extLst>
           </p:cNvPr>
@@ -1862,7 +1862,7 @@
           <a:bodyPr/>
           <a:lstStyle/>
           <a:p>
-            <a:fld id="{B1F12D2D-8444-4CB3-847F-5406B503C783}" type="slidenum">
+            <a:fld id="{D0A70AFD-0F03-4829-98F4-995FC944CBAF}" type="slidenum">
               <a:rPr lang="zh-CN" altLang="en-US" smtClean="0"/>
               <a:t>‹#›</a:t>
             </a:fld>
@@ -1873,7 +1873,7 @@
     </p:spTree>
     <p:extLst>
       <p:ext uri="{BB962C8B-B14F-4D97-AF65-F5344CB8AC3E}">
-        <p14:creationId xmlns:p14="http://schemas.microsoft.com/office/powerpoint/2010/main" val="2496023747"/>
+        <p14:creationId xmlns:p14="http://schemas.microsoft.com/office/powerpoint/2010/main" val="3374761737"/>
       </p:ext>
     </p:extLst>
   </p:cSld>
@@ -1905,7 +1905,7 @@
           <p:cNvPr id="2" name="标题 1">
             <a:extLst>
               <a:ext uri="{FF2B5EF4-FFF2-40B4-BE49-F238E27FC236}">
-                <a16:creationId xmlns:a16="http://schemas.microsoft.com/office/drawing/2014/main" id="{18C734D8-9FEB-F0AC-DB8F-C366129F6693}"/>
+                <a16:creationId xmlns:a16="http://schemas.microsoft.com/office/drawing/2014/main" id="{760F58CF-C55D-FD8F-BFC7-27CA7AF37082}"/>
               </a:ext>
             </a:extLst>
           </p:cNvPr>
@@ -1933,7 +1933,7 @@
           <p:cNvPr id="3" name="日期占位符 2">
             <a:extLst>
               <a:ext uri="{FF2B5EF4-FFF2-40B4-BE49-F238E27FC236}">
-                <a16:creationId xmlns:a16="http://schemas.microsoft.com/office/drawing/2014/main" id="{0F30FB76-B5B3-7EE6-75AA-832A0E4D11EE}"/>
+                <a16:creationId xmlns:a16="http://schemas.microsoft.com/office/drawing/2014/main" id="{1382F2BC-8882-9985-E4A7-DB7ABF9AC971}"/>
               </a:ext>
             </a:extLst>
           </p:cNvPr>
@@ -1949,7 +1949,7 @@
           <a:bodyPr/>
           <a:lstStyle/>
           <a:p>
-            <a:fld id="{1464AA9A-9C5A-46AC-8BF2-1172B8BE6573}" type="datetimeFigureOut">
+            <a:fld id="{98A67AFA-ED46-400B-9AA5-38205FF57235}" type="datetimeFigureOut">
               <a:rPr lang="zh-CN" altLang="en-US" smtClean="0"/>
               <a:t>2024/3/10</a:t>
             </a:fld>
@@ -1962,7 +1962,7 @@
           <p:cNvPr id="4" name="页脚占位符 3">
             <a:extLst>
               <a:ext uri="{FF2B5EF4-FFF2-40B4-BE49-F238E27FC236}">
-                <a16:creationId xmlns:a16="http://schemas.microsoft.com/office/drawing/2014/main" id="{439681BF-C3E9-8472-D592-B50FDBC1EC58}"/>
+                <a16:creationId xmlns:a16="http://schemas.microsoft.com/office/drawing/2014/main" id="{E2400E5D-874F-317B-5ADA-ADFA894329D3}"/>
               </a:ext>
             </a:extLst>
           </p:cNvPr>
@@ -1987,7 +1987,7 @@
           <p:cNvPr id="5" name="灯片编号占位符 4">
             <a:extLst>
               <a:ext uri="{FF2B5EF4-FFF2-40B4-BE49-F238E27FC236}">
-                <a16:creationId xmlns:a16="http://schemas.microsoft.com/office/drawing/2014/main" id="{9042B77E-A3FE-D6F8-365E-91A3AFE90D9F}"/>
+                <a16:creationId xmlns:a16="http://schemas.microsoft.com/office/drawing/2014/main" id="{92113F47-D841-2980-F180-EE10A7D6C589}"/>
               </a:ext>
             </a:extLst>
           </p:cNvPr>
@@ -2003,7 +2003,7 @@
           <a:bodyPr/>
           <a:lstStyle/>
           <a:p>
-            <a:fld id="{B1F12D2D-8444-4CB3-847F-5406B503C783}" type="slidenum">
+            <a:fld id="{D0A70AFD-0F03-4829-98F4-995FC944CBAF}" type="slidenum">
               <a:rPr lang="zh-CN" altLang="en-US" smtClean="0"/>
               <a:t>‹#›</a:t>
             </a:fld>
@@ -2014,7 +2014,7 @@
     </p:spTree>
     <p:extLst>
       <p:ext uri="{BB962C8B-B14F-4D97-AF65-F5344CB8AC3E}">
-        <p14:creationId xmlns:p14="http://schemas.microsoft.com/office/powerpoint/2010/main" val="4039453375"/>
+        <p14:creationId xmlns:p14="http://schemas.microsoft.com/office/powerpoint/2010/main" val="3685540017"/>
       </p:ext>
     </p:extLst>
   </p:cSld>
@@ -2046,7 +2046,7 @@
           <p:cNvPr id="2" name="日期占位符 1">
             <a:extLst>
               <a:ext uri="{FF2B5EF4-FFF2-40B4-BE49-F238E27FC236}">
-                <a16:creationId xmlns:a16="http://schemas.microsoft.com/office/drawing/2014/main" id="{1BB1CD14-EF3F-0CE3-1929-266049D3CF96}"/>
+                <a16:creationId xmlns:a16="http://schemas.microsoft.com/office/drawing/2014/main" id="{72901E46-DC09-CADE-F7E0-75ECD74C3190}"/>
               </a:ext>
             </a:extLst>
           </p:cNvPr>
@@ -2062,7 +2062,7 @@
           <a:bodyPr/>
           <a:lstStyle/>
           <a:p>
-            <a:fld id="{1464AA9A-9C5A-46AC-8BF2-1172B8BE6573}" type="datetimeFigureOut">
+            <a:fld id="{98A67AFA-ED46-400B-9AA5-38205FF57235}" type="datetimeFigureOut">
               <a:rPr lang="zh-CN" altLang="en-US" smtClean="0"/>
               <a:t>2024/3/10</a:t>
             </a:fld>
@@ -2075,7 +2075,7 @@
           <p:cNvPr id="3" name="页脚占位符 2">
             <a:extLst>
               <a:ext uri="{FF2B5EF4-FFF2-40B4-BE49-F238E27FC236}">
-                <a16:creationId xmlns:a16="http://schemas.microsoft.com/office/drawing/2014/main" id="{B09D5728-3F09-AF12-ECE6-9DF437D7EE1A}"/>
+                <a16:creationId xmlns:a16="http://schemas.microsoft.com/office/drawing/2014/main" id="{C9A46C75-B72D-3538-25EE-97695ED1527B}"/>
               </a:ext>
             </a:extLst>
           </p:cNvPr>
@@ -2100,7 +2100,7 @@
           <p:cNvPr id="4" name="灯片编号占位符 3">
             <a:extLst>
               <a:ext uri="{FF2B5EF4-FFF2-40B4-BE49-F238E27FC236}">
-                <a16:creationId xmlns:a16="http://schemas.microsoft.com/office/drawing/2014/main" id="{56FBD9BE-4F62-353D-454C-240D9B916439}"/>
+                <a16:creationId xmlns:a16="http://schemas.microsoft.com/office/drawing/2014/main" id="{DD0E2806-8E97-5314-4047-49CE60B44E6B}"/>
               </a:ext>
             </a:extLst>
           </p:cNvPr>
@@ -2116,7 +2116,7 @@
           <a:bodyPr/>
           <a:lstStyle/>
           <a:p>
-            <a:fld id="{B1F12D2D-8444-4CB3-847F-5406B503C783}" type="slidenum">
+            <a:fld id="{D0A70AFD-0F03-4829-98F4-995FC944CBAF}" type="slidenum">
               <a:rPr lang="zh-CN" altLang="en-US" smtClean="0"/>
               <a:t>‹#›</a:t>
             </a:fld>
@@ -2127,7 +2127,7 @@
     </p:spTree>
     <p:extLst>
       <p:ext uri="{BB962C8B-B14F-4D97-AF65-F5344CB8AC3E}">
-        <p14:creationId xmlns:p14="http://schemas.microsoft.com/office/powerpoint/2010/main" val="3275629966"/>
+        <p14:creationId xmlns:p14="http://schemas.microsoft.com/office/powerpoint/2010/main" val="983796675"/>
       </p:ext>
     </p:extLst>
   </p:cSld>
@@ -2159,7 +2159,7 @@
           <p:cNvPr id="2" name="标题 1">
             <a:extLst>
               <a:ext uri="{FF2B5EF4-FFF2-40B4-BE49-F238E27FC236}">
-                <a16:creationId xmlns:a16="http://schemas.microsoft.com/office/drawing/2014/main" id="{11499FD7-82EB-291A-0DAD-E667EC14F851}"/>
+                <a16:creationId xmlns:a16="http://schemas.microsoft.com/office/drawing/2014/main" id="{B3A7E137-F141-AC28-51BF-CA64E9DCF6BA}"/>
               </a:ext>
             </a:extLst>
           </p:cNvPr>
@@ -2196,7 +2196,7 @@
           <p:cNvPr id="3" name="内容占位符 2">
             <a:extLst>
               <a:ext uri="{FF2B5EF4-FFF2-40B4-BE49-F238E27FC236}">
-                <a16:creationId xmlns:a16="http://schemas.microsoft.com/office/drawing/2014/main" id="{D52CCCC2-048F-1B94-9FD3-9480944A15A3}"/>
+                <a16:creationId xmlns:a16="http://schemas.microsoft.com/office/drawing/2014/main" id="{5481F834-9BC1-2166-C99B-69E7A6632400}"/>
               </a:ext>
             </a:extLst>
           </p:cNvPr>
@@ -2286,7 +2286,7 @@
           <p:cNvPr id="4" name="文本占位符 3">
             <a:extLst>
               <a:ext uri="{FF2B5EF4-FFF2-40B4-BE49-F238E27FC236}">
-                <a16:creationId xmlns:a16="http://schemas.microsoft.com/office/drawing/2014/main" id="{03D7D02B-7F8E-74A3-13BE-5A408AF4155A}"/>
+                <a16:creationId xmlns:a16="http://schemas.microsoft.com/office/drawing/2014/main" id="{3D14DDD6-3383-232B-47DE-71ED3D0CA2BD}"/>
               </a:ext>
             </a:extLst>
           </p:cNvPr>
@@ -2357,7 +2357,7 @@
           <p:cNvPr id="5" name="日期占位符 4">
             <a:extLst>
               <a:ext uri="{FF2B5EF4-FFF2-40B4-BE49-F238E27FC236}">
-                <a16:creationId xmlns:a16="http://schemas.microsoft.com/office/drawing/2014/main" id="{034064D7-4A29-EBD8-6092-D5FA4C79AA95}"/>
+                <a16:creationId xmlns:a16="http://schemas.microsoft.com/office/drawing/2014/main" id="{611259C3-2A2B-7787-6661-220A1F80BECA}"/>
               </a:ext>
             </a:extLst>
           </p:cNvPr>
@@ -2373,7 +2373,7 @@
           <a:bodyPr/>
           <a:lstStyle/>
           <a:p>
-            <a:fld id="{1464AA9A-9C5A-46AC-8BF2-1172B8BE6573}" type="datetimeFigureOut">
+            <a:fld id="{98A67AFA-ED46-400B-9AA5-38205FF57235}" type="datetimeFigureOut">
               <a:rPr lang="zh-CN" altLang="en-US" smtClean="0"/>
               <a:t>2024/3/10</a:t>
             </a:fld>
@@ -2386,7 +2386,7 @@
           <p:cNvPr id="6" name="页脚占位符 5">
             <a:extLst>
               <a:ext uri="{FF2B5EF4-FFF2-40B4-BE49-F238E27FC236}">
-                <a16:creationId xmlns:a16="http://schemas.microsoft.com/office/drawing/2014/main" id="{B0120896-BD9F-6BA8-B39C-C7AD465CC5F7}"/>
+                <a16:creationId xmlns:a16="http://schemas.microsoft.com/office/drawing/2014/main" id="{AC799BCA-B89C-5927-B440-298675B283E4}"/>
               </a:ext>
             </a:extLst>
           </p:cNvPr>
@@ -2411,7 +2411,7 @@
           <p:cNvPr id="7" name="灯片编号占位符 6">
             <a:extLst>
               <a:ext uri="{FF2B5EF4-FFF2-40B4-BE49-F238E27FC236}">
-                <a16:creationId xmlns:a16="http://schemas.microsoft.com/office/drawing/2014/main" id="{E6E2C45B-6015-5ABD-40E1-3B7B1A895B93}"/>
+                <a16:creationId xmlns:a16="http://schemas.microsoft.com/office/drawing/2014/main" id="{1269C676-0FE8-03AA-A9CF-5F4AC1E98FD5}"/>
               </a:ext>
             </a:extLst>
           </p:cNvPr>
@@ -2427,7 +2427,7 @@
           <a:bodyPr/>
           <a:lstStyle/>
           <a:p>
-            <a:fld id="{B1F12D2D-8444-4CB3-847F-5406B503C783}" type="slidenum">
+            <a:fld id="{D0A70AFD-0F03-4829-98F4-995FC944CBAF}" type="slidenum">
               <a:rPr lang="zh-CN" altLang="en-US" smtClean="0"/>
               <a:t>‹#›</a:t>
             </a:fld>
@@ -2438,7 +2438,7 @@
     </p:spTree>
     <p:extLst>
       <p:ext uri="{BB962C8B-B14F-4D97-AF65-F5344CB8AC3E}">
-        <p14:creationId xmlns:p14="http://schemas.microsoft.com/office/powerpoint/2010/main" val="3229618690"/>
+        <p14:creationId xmlns:p14="http://schemas.microsoft.com/office/powerpoint/2010/main" val="3952643107"/>
       </p:ext>
     </p:extLst>
   </p:cSld>
@@ -2470,7 +2470,7 @@
           <p:cNvPr id="2" name="标题 1">
             <a:extLst>
               <a:ext uri="{FF2B5EF4-FFF2-40B4-BE49-F238E27FC236}">
-                <a16:creationId xmlns:a16="http://schemas.microsoft.com/office/drawing/2014/main" id="{96AAE83E-B5A2-B68F-08A8-80BA3B73B911}"/>
+                <a16:creationId xmlns:a16="http://schemas.microsoft.com/office/drawing/2014/main" id="{09CC0BBB-D8E5-E40C-534B-4657B193C17D}"/>
               </a:ext>
             </a:extLst>
           </p:cNvPr>
@@ -2507,7 +2507,7 @@
           <p:cNvPr id="3" name="图片占位符 2">
             <a:extLst>
               <a:ext uri="{FF2B5EF4-FFF2-40B4-BE49-F238E27FC236}">
-                <a16:creationId xmlns:a16="http://schemas.microsoft.com/office/drawing/2014/main" id="{6319F1E3-C144-E6CF-2FD1-64D02A1B25B0}"/>
+                <a16:creationId xmlns:a16="http://schemas.microsoft.com/office/drawing/2014/main" id="{627E86E6-7908-88A4-6EA0-6E7E535A607C}"/>
               </a:ext>
             </a:extLst>
           </p:cNvPr>
@@ -2574,7 +2574,7 @@
           <p:cNvPr id="4" name="文本占位符 3">
             <a:extLst>
               <a:ext uri="{FF2B5EF4-FFF2-40B4-BE49-F238E27FC236}">
-                <a16:creationId xmlns:a16="http://schemas.microsoft.com/office/drawing/2014/main" id="{BED54951-E25A-DF3B-284A-555D93372CBE}"/>
+                <a16:creationId xmlns:a16="http://schemas.microsoft.com/office/drawing/2014/main" id="{FAFF9A9E-B133-8F16-923B-8B963DF1EDBD}"/>
               </a:ext>
             </a:extLst>
           </p:cNvPr>
@@ -2645,7 +2645,7 @@
           <p:cNvPr id="5" name="日期占位符 4">
             <a:extLst>
               <a:ext uri="{FF2B5EF4-FFF2-40B4-BE49-F238E27FC236}">
-                <a16:creationId xmlns:a16="http://schemas.microsoft.com/office/drawing/2014/main" id="{7CEFC742-69E9-6CE5-DBCD-F7A3CB24F8C5}"/>
+                <a16:creationId xmlns:a16="http://schemas.microsoft.com/office/drawing/2014/main" id="{FF8DDDED-6617-1743-D6A2-7540BD611774}"/>
               </a:ext>
             </a:extLst>
           </p:cNvPr>
@@ -2661,7 +2661,7 @@
           <a:bodyPr/>
           <a:lstStyle/>
           <a:p>
-            <a:fld id="{1464AA9A-9C5A-46AC-8BF2-1172B8BE6573}" type="datetimeFigureOut">
+            <a:fld id="{98A67AFA-ED46-400B-9AA5-38205FF57235}" type="datetimeFigureOut">
               <a:rPr lang="zh-CN" altLang="en-US" smtClean="0"/>
               <a:t>2024/3/10</a:t>
             </a:fld>
@@ -2674,7 +2674,7 @@
           <p:cNvPr id="6" name="页脚占位符 5">
             <a:extLst>
               <a:ext uri="{FF2B5EF4-FFF2-40B4-BE49-F238E27FC236}">
-                <a16:creationId xmlns:a16="http://schemas.microsoft.com/office/drawing/2014/main" id="{FC73ABD1-4FDC-3B99-71CC-CEDA208DAD33}"/>
+                <a16:creationId xmlns:a16="http://schemas.microsoft.com/office/drawing/2014/main" id="{7C5F3AD2-5EBD-BE70-E9D7-9DE0CD5FF5B9}"/>
               </a:ext>
             </a:extLst>
           </p:cNvPr>
@@ -2699,7 +2699,7 @@
           <p:cNvPr id="7" name="灯片编号占位符 6">
             <a:extLst>
               <a:ext uri="{FF2B5EF4-FFF2-40B4-BE49-F238E27FC236}">
-                <a16:creationId xmlns:a16="http://schemas.microsoft.com/office/drawing/2014/main" id="{69A541AF-4CB3-F353-17E9-8417A50D02E7}"/>
+                <a16:creationId xmlns:a16="http://schemas.microsoft.com/office/drawing/2014/main" id="{A9950D58-3A5A-85BA-5984-6B86497C2722}"/>
               </a:ext>
             </a:extLst>
           </p:cNvPr>
@@ -2715,7 +2715,7 @@
           <a:bodyPr/>
           <a:lstStyle/>
           <a:p>
-            <a:fld id="{B1F12D2D-8444-4CB3-847F-5406B503C783}" type="slidenum">
+            <a:fld id="{D0A70AFD-0F03-4829-98F4-995FC944CBAF}" type="slidenum">
               <a:rPr lang="zh-CN" altLang="en-US" smtClean="0"/>
               <a:t>‹#›</a:t>
             </a:fld>
@@ -2726,7 +2726,7 @@
     </p:spTree>
     <p:extLst>
       <p:ext uri="{BB962C8B-B14F-4D97-AF65-F5344CB8AC3E}">
-        <p14:creationId xmlns:p14="http://schemas.microsoft.com/office/powerpoint/2010/main" val="3641556452"/>
+        <p14:creationId xmlns:p14="http://schemas.microsoft.com/office/powerpoint/2010/main" val="1661233209"/>
       </p:ext>
     </p:extLst>
   </p:cSld>
@@ -2763,7 +2763,7 @@
           <p:cNvPr id="2" name="标题占位符 1">
             <a:extLst>
               <a:ext uri="{FF2B5EF4-FFF2-40B4-BE49-F238E27FC236}">
-                <a16:creationId xmlns:a16="http://schemas.microsoft.com/office/drawing/2014/main" id="{1FC15DEA-2A15-D612-BB30-B8C42C4CCB25}"/>
+                <a16:creationId xmlns:a16="http://schemas.microsoft.com/office/drawing/2014/main" id="{03B37587-AC08-4DFC-C924-4621201A313B}"/>
               </a:ext>
             </a:extLst>
           </p:cNvPr>
@@ -2801,7 +2801,7 @@
           <p:cNvPr id="3" name="文本占位符 2">
             <a:extLst>
               <a:ext uri="{FF2B5EF4-FFF2-40B4-BE49-F238E27FC236}">
-                <a16:creationId xmlns:a16="http://schemas.microsoft.com/office/drawing/2014/main" id="{B88821A0-EE19-9B79-20A0-E484C84F0DE0}"/>
+                <a16:creationId xmlns:a16="http://schemas.microsoft.com/office/drawing/2014/main" id="{86E77B87-F82B-C845-C658-8478982A0891}"/>
               </a:ext>
             </a:extLst>
           </p:cNvPr>
@@ -2868,7 +2868,7 @@
           <p:cNvPr id="4" name="日期占位符 3">
             <a:extLst>
               <a:ext uri="{FF2B5EF4-FFF2-40B4-BE49-F238E27FC236}">
-                <a16:creationId xmlns:a16="http://schemas.microsoft.com/office/drawing/2014/main" id="{A84F3244-3BF7-C7E7-E27B-79C35414A8EF}"/>
+                <a16:creationId xmlns:a16="http://schemas.microsoft.com/office/drawing/2014/main" id="{480B854C-8CC3-2893-A24E-63419A58533B}"/>
               </a:ext>
             </a:extLst>
           </p:cNvPr>
@@ -2902,7 +2902,7 @@
             </a:lvl1pPr>
           </a:lstStyle>
           <a:p>
-            <a:fld id="{1464AA9A-9C5A-46AC-8BF2-1172B8BE6573}" type="datetimeFigureOut">
+            <a:fld id="{98A67AFA-ED46-400B-9AA5-38205FF57235}" type="datetimeFigureOut">
               <a:rPr lang="zh-CN" altLang="en-US" smtClean="0"/>
               <a:t>2024/3/10</a:t>
             </a:fld>
@@ -2915,7 +2915,7 @@
           <p:cNvPr id="5" name="页脚占位符 4">
             <a:extLst>
               <a:ext uri="{FF2B5EF4-FFF2-40B4-BE49-F238E27FC236}">
-                <a16:creationId xmlns:a16="http://schemas.microsoft.com/office/drawing/2014/main" id="{2972C41E-C4DE-CF2D-AC62-AF0E5F7F769E}"/>
+                <a16:creationId xmlns:a16="http://schemas.microsoft.com/office/drawing/2014/main" id="{3A660286-6B15-5E8C-60A5-792A71C904D8}"/>
               </a:ext>
             </a:extLst>
           </p:cNvPr>
@@ -2958,7 +2958,7 @@
           <p:cNvPr id="6" name="灯片编号占位符 5">
             <a:extLst>
               <a:ext uri="{FF2B5EF4-FFF2-40B4-BE49-F238E27FC236}">
-                <a16:creationId xmlns:a16="http://schemas.microsoft.com/office/drawing/2014/main" id="{B45542DB-F9C8-4102-3F37-B0BA69F02EB4}"/>
+                <a16:creationId xmlns:a16="http://schemas.microsoft.com/office/drawing/2014/main" id="{1EF4F530-594D-C101-12D3-234103402296}"/>
               </a:ext>
             </a:extLst>
           </p:cNvPr>
@@ -2992,7 +2992,7 @@
             </a:lvl1pPr>
           </a:lstStyle>
           <a:p>
-            <a:fld id="{B1F12D2D-8444-4CB3-847F-5406B503C783}" type="slidenum">
+            <a:fld id="{D0A70AFD-0F03-4829-98F4-995FC944CBAF}" type="slidenum">
               <a:rPr lang="zh-CN" altLang="en-US" smtClean="0"/>
               <a:t>‹#›</a:t>
             </a:fld>
@@ -3003,7 +3003,7 @@
     </p:spTree>
     <p:extLst>
       <p:ext uri="{BB962C8B-B14F-4D97-AF65-F5344CB8AC3E}">
-        <p14:creationId xmlns:p14="http://schemas.microsoft.com/office/powerpoint/2010/main" val="570623466"/>
+        <p14:creationId xmlns:p14="http://schemas.microsoft.com/office/powerpoint/2010/main" val="1554554347"/>
       </p:ext>
     </p:extLst>
   </p:cSld>
@@ -3323,7 +3323,7 @@
       </p:grpSpPr>
       <p:pic>
         <p:nvPicPr>
-          <p:cNvPr id="1095682" name="Picture 2" descr="1069"/>
+          <p:cNvPr id="1096706" name="Picture 2" descr="1070"/>
           <p:cNvPicPr>
             <a:picLocks noChangeAspect="1" noChangeArrowheads="1"/>
           </p:cNvPicPr>
@@ -3344,8 +3344,8 @@
         </p:blipFill>
         <p:spPr bwMode="auto">
           <a:xfrm>
-            <a:off x="1524000" y="0"/>
-            <a:ext cx="9144000" cy="6858000"/>
+            <a:off x="1524001" y="0"/>
+            <a:ext cx="9053513" cy="6789738"/>
           </a:xfrm>
           <a:prstGeom prst="rect">
             <a:avLst/>
@@ -3375,11 +3375,275 @@
           </a:extLst>
         </p:spPr>
       </p:pic>
+      <p:pic>
+        <p:nvPicPr>
+          <p:cNvPr id="1097731" name="Picture 3" descr="1070-2"/>
+          <p:cNvPicPr>
+            <a:picLocks noChangeAspect="1" noChangeArrowheads="1"/>
+          </p:cNvPicPr>
+          <p:nvPr/>
+        </p:nvPicPr>
+        <p:blipFill>
+          <a:blip r:embed="rId3">
+            <a:extLst>
+              <a:ext uri="{28A0092B-C50C-407E-A947-70E740481C1C}">
+                <a14:useLocalDpi xmlns:a14="http://schemas.microsoft.com/office/drawing/2010/main" val="0"/>
+              </a:ext>
+            </a:extLst>
+          </a:blip>
+          <a:srcRect/>
+          <a:stretch>
+            <a:fillRect/>
+          </a:stretch>
+        </p:blipFill>
+        <p:spPr bwMode="auto">
+          <a:xfrm>
+            <a:off x="1524000" y="0"/>
+            <a:ext cx="9144000" cy="6858000"/>
+          </a:xfrm>
+          <a:prstGeom prst="rect">
+            <a:avLst/>
+          </a:prstGeom>
+          <a:noFill/>
+          <a:ln>
+            <a:noFill/>
+          </a:ln>
+          <a:effectLst/>
+          <a:extLst>
+            <a:ext uri="{909E8E84-426E-40DD-AFC4-6F175D3DCCD1}">
+              <a14:hiddenFill xmlns:a14="http://schemas.microsoft.com/office/drawing/2010/main">
+                <a:solidFill>
+                  <a:srgbClr val="FFFFFF"/>
+                </a:solidFill>
+              </a14:hiddenFill>
+            </a:ext>
+            <a:ext uri="{91240B29-F687-4F45-9708-019B960494DF}">
+              <a14:hiddenLine xmlns:a14="http://schemas.microsoft.com/office/drawing/2010/main" w="9525">
+                <a:solidFill>
+                  <a:srgbClr val="000000"/>
+                </a:solidFill>
+                <a:miter lim="800000"/>
+                <a:headEnd/>
+                <a:tailEnd/>
+              </a14:hiddenLine>
+            </a:ext>
+            <a:ext uri="{AF507438-7753-43E0-B8FC-AC1667EBCBE1}">
+              <a14:hiddenEffects xmlns:a14="http://schemas.microsoft.com/office/drawing/2010/main">
+                <a:effectLst>
+                  <a:outerShdw dist="35921" dir="2700000" algn="ctr" rotWithShape="0">
+                    <a:srgbClr val="808080"/>
+                  </a:outerShdw>
+                </a:effectLst>
+              </a14:hiddenEffects>
+            </a:ext>
+          </a:extLst>
+        </p:spPr>
+      </p:pic>
+      <p:pic>
+        <p:nvPicPr>
+          <p:cNvPr id="1097732" name="Picture 4" descr="1070-3"/>
+          <p:cNvPicPr>
+            <a:picLocks noChangeAspect="1" noChangeArrowheads="1"/>
+          </p:cNvPicPr>
+          <p:nvPr/>
+        </p:nvPicPr>
+        <p:blipFill>
+          <a:blip r:embed="rId4">
+            <a:extLst>
+              <a:ext uri="{28A0092B-C50C-407E-A947-70E740481C1C}">
+                <a14:useLocalDpi xmlns:a14="http://schemas.microsoft.com/office/drawing/2010/main" val="0"/>
+              </a:ext>
+            </a:extLst>
+          </a:blip>
+          <a:srcRect/>
+          <a:stretch>
+            <a:fillRect/>
+          </a:stretch>
+        </p:blipFill>
+        <p:spPr bwMode="auto">
+          <a:xfrm>
+            <a:off x="1524000" y="0"/>
+            <a:ext cx="9144000" cy="6858000"/>
+          </a:xfrm>
+          <a:prstGeom prst="rect">
+            <a:avLst/>
+          </a:prstGeom>
+          <a:noFill/>
+          <a:ln>
+            <a:noFill/>
+          </a:ln>
+          <a:effectLst/>
+          <a:extLst>
+            <a:ext uri="{909E8E84-426E-40DD-AFC4-6F175D3DCCD1}">
+              <a14:hiddenFill xmlns:a14="http://schemas.microsoft.com/office/drawing/2010/main">
+                <a:solidFill>
+                  <a:srgbClr val="FFFFFF"/>
+                </a:solidFill>
+              </a14:hiddenFill>
+            </a:ext>
+            <a:ext uri="{91240B29-F687-4F45-9708-019B960494DF}">
+              <a14:hiddenLine xmlns:a14="http://schemas.microsoft.com/office/drawing/2010/main" w="9525">
+                <a:solidFill>
+                  <a:srgbClr val="000000"/>
+                </a:solidFill>
+                <a:miter lim="800000"/>
+                <a:headEnd/>
+                <a:tailEnd/>
+              </a14:hiddenLine>
+            </a:ext>
+            <a:ext uri="{AF507438-7753-43E0-B8FC-AC1667EBCBE1}">
+              <a14:hiddenEffects xmlns:a14="http://schemas.microsoft.com/office/drawing/2010/main">
+                <a:effectLst>
+                  <a:outerShdw dist="35921" dir="2700000" algn="ctr" rotWithShape="0">
+                    <a:srgbClr val="808080"/>
+                  </a:outerShdw>
+                </a:effectLst>
+              </a14:hiddenEffects>
+            </a:ext>
+          </a:extLst>
+        </p:spPr>
+      </p:pic>
     </p:spTree>
   </p:cSld>
   <p:clrMapOvr>
     <a:masterClrMapping/>
   </p:clrMapOvr>
+  <p:timing>
+    <p:tnLst>
+      <p:par>
+        <p:cTn id="1" dur="indefinite" restart="never" nodeType="tmRoot">
+          <p:childTnLst>
+            <p:seq concurrent="1" nextAc="seek">
+              <p:cTn id="2" dur="indefinite" nodeType="mainSeq">
+                <p:childTnLst>
+                  <p:par>
+                    <p:cTn id="3" fill="hold" nodeType="clickPar">
+                      <p:stCondLst>
+                        <p:cond delay="indefinite"/>
+                      </p:stCondLst>
+                      <p:childTnLst>
+                        <p:par>
+                          <p:cTn id="4" fill="hold" nodeType="withGroup">
+                            <p:stCondLst>
+                              <p:cond delay="0"/>
+                            </p:stCondLst>
+                            <p:childTnLst>
+                              <p:par>
+                                <p:cTn id="5" presetID="10" presetClass="entr" presetSubtype="0" fill="hold" nodeType="clickEffect">
+                                  <p:stCondLst>
+                                    <p:cond delay="0"/>
+                                  </p:stCondLst>
+                                  <p:childTnLst>
+                                    <p:set>
+                                      <p:cBhvr>
+                                        <p:cTn id="6" dur="1" fill="hold">
+                                          <p:stCondLst>
+                                            <p:cond delay="0"/>
+                                          </p:stCondLst>
+                                        </p:cTn>
+                                        <p:tgtEl>
+                                          <p:spTgt spid="1097731"/>
+                                        </p:tgtEl>
+                                        <p:attrNameLst>
+                                          <p:attrName>style.visibility</p:attrName>
+                                        </p:attrNameLst>
+                                      </p:cBhvr>
+                                      <p:to>
+                                        <p:strVal val="visible"/>
+                                      </p:to>
+                                    </p:set>
+                                    <p:animEffect transition="in" filter="fade">
+                                      <p:cBhvr>
+                                        <p:cTn id="7" dur="500"/>
+                                        <p:tgtEl>
+                                          <p:spTgt spid="1097731"/>
+                                        </p:tgtEl>
+                                      </p:cBhvr>
+                                    </p:animEffect>
+                                  </p:childTnLst>
+                                </p:cTn>
+                              </p:par>
+                            </p:childTnLst>
+                          </p:cTn>
+                        </p:par>
+                      </p:childTnLst>
+                    </p:cTn>
+                  </p:par>
+                  <p:par>
+                    <p:cTn id="8" fill="hold" nodeType="clickPar">
+                      <p:stCondLst>
+                        <p:cond delay="indefinite"/>
+                      </p:stCondLst>
+                      <p:childTnLst>
+                        <p:par>
+                          <p:cTn id="9" fill="hold" nodeType="withGroup">
+                            <p:stCondLst>
+                              <p:cond delay="0"/>
+                            </p:stCondLst>
+                            <p:childTnLst>
+                              <p:par>
+                                <p:cTn id="10" presetID="10" presetClass="entr" presetSubtype="0" fill="hold" nodeType="clickEffect">
+                                  <p:stCondLst>
+                                    <p:cond delay="0"/>
+                                  </p:stCondLst>
+                                  <p:childTnLst>
+                                    <p:set>
+                                      <p:cBhvr>
+                                        <p:cTn id="11" dur="1" fill="hold">
+                                          <p:stCondLst>
+                                            <p:cond delay="0"/>
+                                          </p:stCondLst>
+                                        </p:cTn>
+                                        <p:tgtEl>
+                                          <p:spTgt spid="1097732"/>
+                                        </p:tgtEl>
+                                        <p:attrNameLst>
+                                          <p:attrName>style.visibility</p:attrName>
+                                        </p:attrNameLst>
+                                      </p:cBhvr>
+                                      <p:to>
+                                        <p:strVal val="visible"/>
+                                      </p:to>
+                                    </p:set>
+                                    <p:animEffect transition="in" filter="fade">
+                                      <p:cBhvr>
+                                        <p:cTn id="12" dur="500"/>
+                                        <p:tgtEl>
+                                          <p:spTgt spid="1097732"/>
+                                        </p:tgtEl>
+                                      </p:cBhvr>
+                                    </p:animEffect>
+                                  </p:childTnLst>
+                                </p:cTn>
+                              </p:par>
+                            </p:childTnLst>
+                          </p:cTn>
+                        </p:par>
+                      </p:childTnLst>
+                    </p:cTn>
+                  </p:par>
+                </p:childTnLst>
+              </p:cTn>
+              <p:prevCondLst>
+                <p:cond evt="onPrev" delay="0">
+                  <p:tgtEl>
+                    <p:sldTgt/>
+                  </p:tgtEl>
+                </p:cond>
+              </p:prevCondLst>
+              <p:nextCondLst>
+                <p:cond evt="onNext" delay="0">
+                  <p:tgtEl>
+                    <p:sldTgt/>
+                  </p:tgtEl>
+                </p:cond>
+              </p:nextCondLst>
+            </p:seq>
+          </p:childTnLst>
+        </p:cTn>
+      </p:par>
+    </p:tnLst>
+  </p:timing>
 </p:sld>
 </file>
 
